--- a/06/yongki/ProgrammingLanguage.pptx
+++ b/06/yongki/ProgrammingLanguage.pptx
@@ -5,7 +5,7 @@
     <p:sldMasterId id="2147483648" r:id="rId1"/>
   </p:sldMasterIdLst>
   <p:notesMasterIdLst>
-    <p:notesMasterId r:id="rId16"/>
+    <p:notesMasterId r:id="rId17"/>
   </p:notesMasterIdLst>
   <p:sldIdLst>
     <p:sldId id="256" r:id="rId2"/>
@@ -19,9 +19,10 @@
     <p:sldId id="294" r:id="rId10"/>
     <p:sldId id="302" r:id="rId11"/>
     <p:sldId id="295" r:id="rId12"/>
-    <p:sldId id="303" r:id="rId13"/>
-    <p:sldId id="304" r:id="rId14"/>
-    <p:sldId id="301" r:id="rId15"/>
+    <p:sldId id="305" r:id="rId13"/>
+    <p:sldId id="303" r:id="rId14"/>
+    <p:sldId id="304" r:id="rId15"/>
+    <p:sldId id="301" r:id="rId16"/>
   </p:sldIdLst>
   <p:sldSz cx="9144000" cy="6858000" type="screen4x3"/>
   <p:notesSz cx="6858000" cy="9144000"/>
@@ -251,7 +252,7 @@
           <a:p>
             <a:fld id="{278A5395-7299-4714-9E5C-8983F2B9A6E7}" type="datetimeFigureOut">
               <a:rPr lang="ko-KR" altLang="en-US" smtClean="0"/>
-              <a:t>2022-01-26</a:t>
+              <a:t>2022-02-01</a:t>
             </a:fld>
             <a:endParaRPr lang="ko-KR" altLang="en-US"/>
           </a:p>
@@ -4800,12 +4801,20 @@
           <a:p>
             <a:pPr eaLnBrk="1" hangingPunct="1"/>
             <a:r>
+              <a:rPr lang="en-US" altLang="ko-KR" sz="3200" b="1">
+                <a:solidFill>
+                  <a:schemeClr val="tx1"/>
+                </a:solidFill>
+              </a:rPr>
+              <a:t>JIT </a:t>
+            </a:r>
+            <a:r>
               <a:rPr lang="ko-KR" altLang="en-US" sz="3200" b="1">
                 <a:solidFill>
                   <a:schemeClr val="tx1"/>
                 </a:solidFill>
               </a:rPr>
-              <a:t>인터프리터</a:t>
+              <a:t>컴파일 언어</a:t>
             </a:r>
             <a:r>
               <a:rPr lang="en-US" altLang="ko-KR" sz="3200" b="1">
@@ -4813,23 +4822,22 @@
                   <a:schemeClr val="tx1"/>
                 </a:solidFill>
               </a:rPr>
-              <a:t> </a:t>
-            </a:r>
-            <a:r>
-              <a:rPr lang="ko-KR" altLang="en-US" sz="3200" b="1">
-                <a:solidFill>
-                  <a:schemeClr val="tx1"/>
-                </a:solidFill>
-              </a:rPr>
-              <a:t>언어</a:t>
-            </a:r>
-            <a:r>
+              <a:t>: </a:t>
+            </a:r>
+            <a:br>
               <a:rPr lang="en-US" altLang="ko-KR" sz="3200" b="1">
                 <a:solidFill>
                   <a:schemeClr val="tx1"/>
                 </a:solidFill>
               </a:rPr>
-              <a:t>: Javascript</a:t>
+            </a:br>
+            <a:r>
+              <a:rPr lang="en-US" altLang="ko-KR" sz="3200" b="1">
+                <a:solidFill>
+                  <a:schemeClr val="tx1"/>
+                </a:solidFill>
+              </a:rPr>
+              <a:t>Javascript</a:t>
             </a:r>
             <a:endParaRPr lang="es-ES" altLang="ko-KR" sz="3200" b="1">
               <a:solidFill>
@@ -5535,6 +5543,288 @@
           </a:p>
         </p:txBody>
       </p:sp>
+    </p:spTree>
+    <p:extLst>
+      <p:ext uri="{BB962C8B-B14F-4D97-AF65-F5344CB8AC3E}">
+        <p14:creationId xmlns:p14="http://schemas.microsoft.com/office/powerpoint/2010/main" val="3215323576"/>
+      </p:ext>
+    </p:extLst>
+  </p:cSld>
+  <p:clrMapOvr>
+    <a:masterClrMapping/>
+  </p:clrMapOvr>
+</p:sld>
+</file>
+
+<file path=ppt/slides/slide12.xml><?xml version="1.0" encoding="utf-8"?>
+<p:sld xmlns:a="http://schemas.openxmlformats.org/drawingml/2006/main" xmlns:r="http://schemas.openxmlformats.org/officeDocument/2006/relationships" xmlns:p="http://schemas.openxmlformats.org/presentationml/2006/main">
+  <p:cSld>
+    <p:spTree>
+      <p:nvGrpSpPr>
+        <p:cNvPr id="1" name=""/>
+        <p:cNvGrpSpPr/>
+        <p:nvPr/>
+      </p:nvGrpSpPr>
+      <p:grpSpPr>
+        <a:xfrm>
+          <a:off x="0" y="0"/>
+          <a:ext cx="0" cy="0"/>
+          <a:chOff x="0" y="0"/>
+          <a:chExt cx="0" cy="0"/>
+        </a:xfrm>
+      </p:grpSpPr>
+      <p:sp>
+        <p:nvSpPr>
+          <p:cNvPr id="5122" name="Rectangle 2">
+            <a:extLst>
+              <a:ext uri="{FF2B5EF4-FFF2-40B4-BE49-F238E27FC236}">
+                <a16:creationId xmlns:a16="http://schemas.microsoft.com/office/drawing/2014/main" id="{5A5441BC-21C9-4C4E-8617-73A39EC832C7}"/>
+              </a:ext>
+            </a:extLst>
+          </p:cNvPr>
+          <p:cNvSpPr>
+            <a:spLocks noGrp="1" noChangeArrowheads="1"/>
+          </p:cNvSpPr>
+          <p:nvPr>
+            <p:ph type="title"/>
+          </p:nvPr>
+        </p:nvSpPr>
+        <p:spPr>
+          <a:xfrm>
+            <a:off x="457200" y="188913"/>
+            <a:ext cx="8229600" cy="1295400"/>
+          </a:xfrm>
+        </p:spPr>
+        <p:txBody>
+          <a:bodyPr/>
+          <a:lstStyle/>
+          <a:p>
+            <a:pPr algn="l" eaLnBrk="1" hangingPunct="1">
+              <a:defRPr/>
+            </a:pPr>
+            <a:r>
+              <a:rPr lang="en-US" altLang="ko-KR" sz="3200">
+                <a:solidFill>
+                  <a:schemeClr val="tx1"/>
+                </a:solidFill>
+              </a:rPr>
+              <a:t>Javascript </a:t>
+            </a:r>
+            <a:r>
+              <a:rPr lang="ko-KR" altLang="en-US" sz="3200">
+                <a:solidFill>
+                  <a:schemeClr val="tx1"/>
+                </a:solidFill>
+              </a:rPr>
+              <a:t>런타임</a:t>
+            </a:r>
+            <a:endParaRPr lang="ko-KR" altLang="ko-KR" sz="2000">
+              <a:solidFill>
+                <a:schemeClr val="tx1"/>
+              </a:solidFill>
+            </a:endParaRPr>
+          </a:p>
+        </p:txBody>
+      </p:sp>
+      <p:cxnSp>
+        <p:nvCxnSpPr>
+          <p:cNvPr id="3" name="직선 연결선 2">
+            <a:extLst>
+              <a:ext uri="{FF2B5EF4-FFF2-40B4-BE49-F238E27FC236}">
+                <a16:creationId xmlns:a16="http://schemas.microsoft.com/office/drawing/2014/main" id="{00016A16-78F9-4CDB-B5A3-E7D1D56285D2}"/>
+              </a:ext>
+            </a:extLst>
+          </p:cNvPr>
+          <p:cNvCxnSpPr/>
+          <p:nvPr/>
+        </p:nvCxnSpPr>
+        <p:spPr bwMode="auto">
+          <a:xfrm>
+            <a:off x="575556" y="1268760"/>
+            <a:ext cx="7992888" cy="0"/>
+          </a:xfrm>
+          <a:prstGeom prst="line">
+            <a:avLst/>
+          </a:prstGeom>
+          <a:solidFill>
+            <a:schemeClr val="accent1"/>
+          </a:solidFill>
+          <a:ln w="25400" cap="flat" cmpd="sng" algn="ctr">
+            <a:solidFill>
+              <a:schemeClr val="tx1"/>
+            </a:solidFill>
+            <a:prstDash val="solid"/>
+            <a:round/>
+            <a:headEnd type="none" w="med" len="med"/>
+            <a:tailEnd type="none" w="med" len="med"/>
+          </a:ln>
+          <a:effectLst/>
+          <a:extLst>
+            <a:ext uri="{AF507438-7753-43E0-B8FC-AC1667EBCBE1}">
+              <a14:hiddenEffects xmlns:a14="http://schemas.microsoft.com/office/drawing/2010/main">
+                <a:effectLst>
+                  <a:outerShdw dist="35921" dir="2700000" algn="ctr" rotWithShape="0">
+                    <a:schemeClr val="bg2"/>
+                  </a:outerShdw>
+                </a:effectLst>
+              </a14:hiddenEffects>
+            </a:ext>
+          </a:extLst>
+        </p:spPr>
+      </p:cxnSp>
+      <p:sp>
+        <p:nvSpPr>
+          <p:cNvPr id="6" name="Rectangle 1">
+            <a:extLst>
+              <a:ext uri="{FF2B5EF4-FFF2-40B4-BE49-F238E27FC236}">
+                <a16:creationId xmlns:a16="http://schemas.microsoft.com/office/drawing/2014/main" id="{5B2A067E-9197-460E-9A1C-B36B6B1654ED}"/>
+              </a:ext>
+            </a:extLst>
+          </p:cNvPr>
+          <p:cNvSpPr>
+            <a:spLocks noChangeArrowheads="1"/>
+          </p:cNvSpPr>
+          <p:nvPr/>
+        </p:nvSpPr>
+        <p:spPr bwMode="auto">
+          <a:xfrm>
+            <a:off x="457200" y="1780741"/>
+            <a:ext cx="9144000" cy="0"/>
+          </a:xfrm>
+          <a:prstGeom prst="rect">
+            <a:avLst/>
+          </a:prstGeom>
+          <a:noFill/>
+          <a:ln>
+            <a:noFill/>
+          </a:ln>
+          <a:effectLst/>
+          <a:extLst>
+            <a:ext uri="{909E8E84-426E-40DD-AFC4-6F175D3DCCD1}">
+              <a14:hiddenFill xmlns:a14="http://schemas.microsoft.com/office/drawing/2010/main">
+                <a:solidFill>
+                  <a:schemeClr val="accent1"/>
+                </a:solidFill>
+              </a14:hiddenFill>
+            </a:ext>
+            <a:ext uri="{91240B29-F687-4F45-9708-019B960494DF}">
+              <a14:hiddenLine xmlns:a14="http://schemas.microsoft.com/office/drawing/2010/main" w="9525">
+                <a:solidFill>
+                  <a:schemeClr val="tx1"/>
+                </a:solidFill>
+                <a:miter lim="800000"/>
+                <a:headEnd/>
+                <a:tailEnd/>
+              </a14:hiddenLine>
+            </a:ext>
+            <a:ext uri="{AF507438-7753-43E0-B8FC-AC1667EBCBE1}">
+              <a14:hiddenEffects xmlns:a14="http://schemas.microsoft.com/office/drawing/2010/main">
+                <a:effectLst>
+                  <a:outerShdw dist="35921" dir="2700000" algn="ctr" rotWithShape="0">
+                    <a:schemeClr val="bg2"/>
+                  </a:outerShdw>
+                </a:effectLst>
+              </a14:hiddenEffects>
+            </a:ext>
+          </a:extLst>
+        </p:spPr>
+        <p:txBody>
+          <a:bodyPr vert="horz" wrap="none" lIns="91440" tIns="45720" rIns="91440" bIns="45720" numCol="1" anchor="ctr" anchorCtr="0" compatLnSpc="1">
+            <a:prstTxWarp prst="textNoShape">
+              <a:avLst/>
+            </a:prstTxWarp>
+            <a:spAutoFit/>
+          </a:bodyPr>
+          <a:lstStyle/>
+          <a:p>
+            <a:pPr marL="0" marR="0" lvl="0" indent="0" algn="l" defTabSz="914400" rtl="0" eaLnBrk="0" fontAlgn="base" latinLnBrk="0" hangingPunct="0">
+              <a:lnSpc>
+                <a:spcPct val="100000"/>
+              </a:lnSpc>
+              <a:spcBef>
+                <a:spcPct val="0"/>
+              </a:spcBef>
+              <a:spcAft>
+                <a:spcPct val="0"/>
+              </a:spcAft>
+              <a:buClrTx/>
+              <a:buSzTx/>
+              <a:buFontTx/>
+              <a:buNone/>
+              <a:tabLst/>
+            </a:pPr>
+            <a:br>
+              <a:rPr kumimoji="0" lang="ko-KR" altLang="ko-KR" sz="1800" b="0" i="0" u="none" strike="noStrike" cap="none" normalizeH="0" baseline="0">
+                <a:ln>
+                  <a:noFill/>
+                </a:ln>
+                <a:solidFill>
+                  <a:schemeClr val="tx1"/>
+                </a:solidFill>
+                <a:effectLst/>
+                <a:latin typeface="Arial" panose="020B0604020202020204" pitchFamily="34" charset="0"/>
+              </a:rPr>
+            </a:br>
+            <a:endParaRPr kumimoji="0" lang="ko-KR" altLang="ko-KR" sz="1800" b="0" i="0" u="none" strike="noStrike" cap="none" normalizeH="0" baseline="0">
+              <a:ln>
+                <a:noFill/>
+              </a:ln>
+              <a:solidFill>
+                <a:schemeClr val="tx1"/>
+              </a:solidFill>
+              <a:effectLst/>
+              <a:latin typeface="Arial" panose="020B0604020202020204" pitchFamily="34" charset="0"/>
+            </a:endParaRPr>
+          </a:p>
+        </p:txBody>
+      </p:sp>
+      <p:pic>
+        <p:nvPicPr>
+          <p:cNvPr id="7170" name="Picture 2" descr="js drive">
+            <a:extLst>
+              <a:ext uri="{FF2B5EF4-FFF2-40B4-BE49-F238E27FC236}">
+                <a16:creationId xmlns:a16="http://schemas.microsoft.com/office/drawing/2014/main" id="{6EE4F266-8B32-4A77-AD4A-A53D838CC953}"/>
+              </a:ext>
+            </a:extLst>
+          </p:cNvPr>
+          <p:cNvPicPr>
+            <a:picLocks noChangeAspect="1" noChangeArrowheads="1"/>
+          </p:cNvPicPr>
+          <p:nvPr/>
+        </p:nvPicPr>
+        <p:blipFill>
+          <a:blip r:embed="rId2">
+            <a:extLst>
+              <a:ext uri="{28A0092B-C50C-407E-A947-70E740481C1C}">
+                <a14:useLocalDpi xmlns:a14="http://schemas.microsoft.com/office/drawing/2010/main" val="0"/>
+              </a:ext>
+            </a:extLst>
+          </a:blip>
+          <a:srcRect/>
+          <a:stretch>
+            <a:fillRect/>
+          </a:stretch>
+        </p:blipFill>
+        <p:spPr bwMode="auto">
+          <a:xfrm>
+            <a:off x="11795" y="2326338"/>
+            <a:ext cx="9144000" cy="1593850"/>
+          </a:xfrm>
+          <a:prstGeom prst="rect">
+            <a:avLst/>
+          </a:prstGeom>
+          <a:noFill/>
+          <a:extLst>
+            <a:ext uri="{909E8E84-426E-40DD-AFC4-6F175D3DCCD1}">
+              <a14:hiddenFill xmlns:a14="http://schemas.microsoft.com/office/drawing/2010/main">
+                <a:solidFill>
+                  <a:srgbClr val="FFFFFF"/>
+                </a:solidFill>
+              </a14:hiddenFill>
+            </a:ext>
+          </a:extLst>
+        </p:spPr>
+      </p:pic>
       <p:sp>
         <p:nvSpPr>
           <p:cNvPr id="9" name="TextBox 8">
@@ -5551,8 +5841,8 @@
         </p:nvSpPr>
         <p:spPr bwMode="auto">
           <a:xfrm>
-            <a:off x="4488044" y="5275685"/>
-            <a:ext cx="4626220" cy="1600438"/>
+            <a:off x="839379" y="4395015"/>
+            <a:ext cx="7488832" cy="1815882"/>
           </a:xfrm>
           <a:prstGeom prst="rect">
             <a:avLst/>
@@ -5815,7 +6105,7 @@
                 <a:latin typeface="맑은 고딕" panose="020B0503020000020004" pitchFamily="50" charset="-127"/>
                 <a:ea typeface="맑은 고딕" panose="020B0503020000020004" pitchFamily="50" charset="-127"/>
               </a:rPr>
-              <a:t>런타임은 인터프리터라고 생각한다</a:t>
+              <a:t>런타임은 인터프리터부터 가상머신을 통해 </a:t>
             </a:r>
             <a:r>
               <a:rPr lang="en-US" altLang="ko-KR" sz="1400">
@@ -5825,8 +6115,44 @@
                 <a:latin typeface="맑은 고딕" panose="020B0503020000020004" pitchFamily="50" charset="-127"/>
                 <a:ea typeface="맑은 고딕" panose="020B0503020000020004" pitchFamily="50" charset="-127"/>
               </a:rPr>
+              <a:t>CPU</a:t>
+            </a:r>
+            <a:r>
+              <a:rPr lang="ko-KR" altLang="en-US" sz="1400">
+                <a:solidFill>
+                  <a:srgbClr val="000000"/>
+                </a:solidFill>
+                <a:latin typeface="맑은 고딕" panose="020B0503020000020004" pitchFamily="50" charset="-127"/>
+                <a:ea typeface="맑은 고딕" panose="020B0503020000020004" pitchFamily="50" charset="-127"/>
+              </a:rPr>
+              <a:t>로 수행되는 과정이라 생각한다</a:t>
+            </a:r>
+            <a:r>
+              <a:rPr lang="en-US" altLang="ko-KR" sz="1400">
+                <a:solidFill>
+                  <a:srgbClr val="000000"/>
+                </a:solidFill>
+                <a:latin typeface="맑은 고딕" panose="020B0503020000020004" pitchFamily="50" charset="-127"/>
+                <a:ea typeface="맑은 고딕" panose="020B0503020000020004" pitchFamily="50" charset="-127"/>
+              </a:rPr>
               <a:t>.</a:t>
             </a:r>
+            <a:br>
+              <a:rPr lang="en-US" altLang="ko-KR" sz="1400">
+                <a:solidFill>
+                  <a:srgbClr val="000000"/>
+                </a:solidFill>
+                <a:latin typeface="맑은 고딕" panose="020B0503020000020004" pitchFamily="50" charset="-127"/>
+                <a:ea typeface="맑은 고딕" panose="020B0503020000020004" pitchFamily="50" charset="-127"/>
+              </a:rPr>
+            </a:br>
+            <a:endParaRPr lang="en-US" altLang="ko-KR" sz="1400">
+              <a:solidFill>
+                <a:srgbClr val="000000"/>
+              </a:solidFill>
+              <a:latin typeface="맑은 고딕" panose="020B0503020000020004" pitchFamily="50" charset="-127"/>
+              <a:ea typeface="맑은 고딕" panose="020B0503020000020004" pitchFamily="50" charset="-127"/>
+            </a:endParaRPr>
           </a:p>
         </p:txBody>
       </p:sp>
@@ -5845,13 +6171,13 @@
           <p:nvPr>
             <p:extLst>
               <p:ext uri="{D42A27DB-BD31-4B8C-83A1-F6EECF244321}">
-                <p14:modId xmlns:p14="http://schemas.microsoft.com/office/powerpoint/2010/main" val="1205859351"/>
+                <p14:modId xmlns:p14="http://schemas.microsoft.com/office/powerpoint/2010/main" val="1318529879"/>
               </p:ext>
             </p:extLst>
           </p:nvPr>
         </p:nvGraphicFramePr>
         <p:xfrm>
-          <a:off x="4572000" y="5707147"/>
+          <a:off x="1067351" y="4838849"/>
           <a:ext cx="3804603" cy="737514"/>
         </p:xfrm>
         <a:graphic>
@@ -6032,10 +6358,256 @@
           </a:graphicData>
         </a:graphic>
       </p:graphicFrame>
+      <p:sp>
+        <p:nvSpPr>
+          <p:cNvPr id="11" name="TextBox 10">
+            <a:extLst>
+              <a:ext uri="{FF2B5EF4-FFF2-40B4-BE49-F238E27FC236}">
+                <a16:creationId xmlns:a16="http://schemas.microsoft.com/office/drawing/2014/main" id="{EA23E7AB-3AED-4675-92D2-6EFBBD0DD79A}"/>
+              </a:ext>
+            </a:extLst>
+          </p:cNvPr>
+          <p:cNvSpPr txBox="1">
+            <a:spLocks noChangeArrowheads="1"/>
+          </p:cNvSpPr>
+          <p:nvPr/>
+        </p:nvSpPr>
+        <p:spPr bwMode="auto">
+          <a:xfrm>
+            <a:off x="839379" y="1440667"/>
+            <a:ext cx="7488832" cy="738664"/>
+          </a:xfrm>
+          <a:prstGeom prst="rect">
+            <a:avLst/>
+          </a:prstGeom>
+          <a:noFill/>
+          <a:ln>
+            <a:noFill/>
+          </a:ln>
+        </p:spPr>
+        <p:txBody>
+          <a:bodyPr wrap="square">
+            <a:spAutoFit/>
+          </a:bodyPr>
+          <a:lstStyle>
+            <a:lvl1pPr>
+              <a:spcBef>
+                <a:spcPct val="20000"/>
+              </a:spcBef>
+              <a:buChar char="•"/>
+              <a:defRPr sz="3200">
+                <a:solidFill>
+                  <a:schemeClr val="tx1"/>
+                </a:solidFill>
+                <a:latin typeface="Arial" panose="020B0604020202020204" pitchFamily="34" charset="0"/>
+                <a:ea typeface="Arial Unicode MS" panose="020B0604020202020204" pitchFamily="50" charset="-127"/>
+                <a:cs typeface="Arial" panose="020B0604020202020204" pitchFamily="34" charset="0"/>
+              </a:defRPr>
+            </a:lvl1pPr>
+            <a:lvl2pPr marL="742950" indent="-285750">
+              <a:spcBef>
+                <a:spcPct val="20000"/>
+              </a:spcBef>
+              <a:buChar char="–"/>
+              <a:defRPr sz="2800">
+                <a:solidFill>
+                  <a:schemeClr val="tx1"/>
+                </a:solidFill>
+                <a:latin typeface="Arial" panose="020B0604020202020204" pitchFamily="34" charset="0"/>
+                <a:ea typeface="Arial Unicode MS" panose="020B0604020202020204" pitchFamily="50" charset="-127"/>
+                <a:cs typeface="Arial" panose="020B0604020202020204" pitchFamily="34" charset="0"/>
+              </a:defRPr>
+            </a:lvl2pPr>
+            <a:lvl3pPr marL="1143000" indent="-228600">
+              <a:spcBef>
+                <a:spcPct val="20000"/>
+              </a:spcBef>
+              <a:buChar char="•"/>
+              <a:defRPr sz="2400">
+                <a:solidFill>
+                  <a:schemeClr val="tx1"/>
+                </a:solidFill>
+                <a:latin typeface="Arial" panose="020B0604020202020204" pitchFamily="34" charset="0"/>
+                <a:ea typeface="Arial Unicode MS" panose="020B0604020202020204" pitchFamily="50" charset="-127"/>
+                <a:cs typeface="Arial" panose="020B0604020202020204" pitchFamily="34" charset="0"/>
+              </a:defRPr>
+            </a:lvl3pPr>
+            <a:lvl4pPr marL="1600200" indent="-228600">
+              <a:spcBef>
+                <a:spcPct val="20000"/>
+              </a:spcBef>
+              <a:buChar char="–"/>
+              <a:defRPr sz="2000">
+                <a:solidFill>
+                  <a:schemeClr val="tx1"/>
+                </a:solidFill>
+                <a:latin typeface="Arial" panose="020B0604020202020204" pitchFamily="34" charset="0"/>
+                <a:ea typeface="Arial Unicode MS" panose="020B0604020202020204" pitchFamily="50" charset="-127"/>
+                <a:cs typeface="Arial" panose="020B0604020202020204" pitchFamily="34" charset="0"/>
+              </a:defRPr>
+            </a:lvl4pPr>
+            <a:lvl5pPr marL="2057400" indent="-228600">
+              <a:spcBef>
+                <a:spcPct val="20000"/>
+              </a:spcBef>
+              <a:buChar char="»"/>
+              <a:defRPr sz="2000">
+                <a:solidFill>
+                  <a:schemeClr val="tx1"/>
+                </a:solidFill>
+                <a:latin typeface="Arial" panose="020B0604020202020204" pitchFamily="34" charset="0"/>
+                <a:ea typeface="Arial Unicode MS" panose="020B0604020202020204" pitchFamily="50" charset="-127"/>
+                <a:cs typeface="Arial" panose="020B0604020202020204" pitchFamily="34" charset="0"/>
+              </a:defRPr>
+            </a:lvl5pPr>
+            <a:lvl6pPr marL="2514600" indent="-228600" eaLnBrk="0" fontAlgn="base" hangingPunct="0">
+              <a:spcBef>
+                <a:spcPct val="20000"/>
+              </a:spcBef>
+              <a:spcAft>
+                <a:spcPct val="0"/>
+              </a:spcAft>
+              <a:buChar char="»"/>
+              <a:defRPr sz="2000">
+                <a:solidFill>
+                  <a:schemeClr val="tx1"/>
+                </a:solidFill>
+                <a:latin typeface="Arial" panose="020B0604020202020204" pitchFamily="34" charset="0"/>
+                <a:ea typeface="Arial Unicode MS" panose="020B0604020202020204" pitchFamily="50" charset="-127"/>
+                <a:cs typeface="Arial" panose="020B0604020202020204" pitchFamily="34" charset="0"/>
+              </a:defRPr>
+            </a:lvl6pPr>
+            <a:lvl7pPr marL="2971800" indent="-228600" eaLnBrk="0" fontAlgn="base" hangingPunct="0">
+              <a:spcBef>
+                <a:spcPct val="20000"/>
+              </a:spcBef>
+              <a:spcAft>
+                <a:spcPct val="0"/>
+              </a:spcAft>
+              <a:buChar char="»"/>
+              <a:defRPr sz="2000">
+                <a:solidFill>
+                  <a:schemeClr val="tx1"/>
+                </a:solidFill>
+                <a:latin typeface="Arial" panose="020B0604020202020204" pitchFamily="34" charset="0"/>
+                <a:ea typeface="Arial Unicode MS" panose="020B0604020202020204" pitchFamily="50" charset="-127"/>
+                <a:cs typeface="Arial" panose="020B0604020202020204" pitchFamily="34" charset="0"/>
+              </a:defRPr>
+            </a:lvl7pPr>
+            <a:lvl8pPr marL="3429000" indent="-228600" eaLnBrk="0" fontAlgn="base" hangingPunct="0">
+              <a:spcBef>
+                <a:spcPct val="20000"/>
+              </a:spcBef>
+              <a:spcAft>
+                <a:spcPct val="0"/>
+              </a:spcAft>
+              <a:buChar char="»"/>
+              <a:defRPr sz="2000">
+                <a:solidFill>
+                  <a:schemeClr val="tx1"/>
+                </a:solidFill>
+                <a:latin typeface="Arial" panose="020B0604020202020204" pitchFamily="34" charset="0"/>
+                <a:ea typeface="Arial Unicode MS" panose="020B0604020202020204" pitchFamily="50" charset="-127"/>
+                <a:cs typeface="Arial" panose="020B0604020202020204" pitchFamily="34" charset="0"/>
+              </a:defRPr>
+            </a:lvl8pPr>
+            <a:lvl9pPr marL="3886200" indent="-228600" eaLnBrk="0" fontAlgn="base" hangingPunct="0">
+              <a:spcBef>
+                <a:spcPct val="20000"/>
+              </a:spcBef>
+              <a:spcAft>
+                <a:spcPct val="0"/>
+              </a:spcAft>
+              <a:buChar char="»"/>
+              <a:defRPr sz="2000">
+                <a:solidFill>
+                  <a:schemeClr val="tx1"/>
+                </a:solidFill>
+                <a:latin typeface="Arial" panose="020B0604020202020204" pitchFamily="34" charset="0"/>
+                <a:ea typeface="Arial Unicode MS" panose="020B0604020202020204" pitchFamily="50" charset="-127"/>
+                <a:cs typeface="Arial" panose="020B0604020202020204" pitchFamily="34" charset="0"/>
+              </a:defRPr>
+            </a:lvl9pPr>
+          </a:lstStyle>
+          <a:p>
+            <a:pPr eaLnBrk="1" hangingPunct="1">
+              <a:spcBef>
+                <a:spcPct val="0"/>
+              </a:spcBef>
+              <a:buNone/>
+            </a:pPr>
+            <a:r>
+              <a:rPr lang="ko-KR" altLang="en-US" sz="1400">
+                <a:solidFill>
+                  <a:srgbClr val="000000"/>
+                </a:solidFill>
+                <a:latin typeface="맑은 고딕" panose="020B0503020000020004" pitchFamily="50" charset="-127"/>
+                <a:ea typeface="맑은 고딕" panose="020B0503020000020004" pitchFamily="50" charset="-127"/>
+              </a:rPr>
+              <a:t>🤔 </a:t>
+            </a:r>
+            <a:r>
+              <a:rPr lang="ko-KR" altLang="en-US" sz="1400" b="1">
+                <a:solidFill>
+                  <a:srgbClr val="000000"/>
+                </a:solidFill>
+                <a:latin typeface="맑은 고딕" panose="020B0503020000020004" pitchFamily="50" charset="-127"/>
+                <a:ea typeface="맑은 고딕" panose="020B0503020000020004" pitchFamily="50" charset="-127"/>
+              </a:rPr>
+              <a:t>런타임</a:t>
+            </a:r>
+            <a:r>
+              <a:rPr lang="en-US" altLang="ko-KR" sz="1400" b="1">
+                <a:solidFill>
+                  <a:srgbClr val="000000"/>
+                </a:solidFill>
+                <a:latin typeface="맑은 고딕" panose="020B0503020000020004" pitchFamily="50" charset="-127"/>
+                <a:ea typeface="맑은 고딕" panose="020B0503020000020004" pitchFamily="50" charset="-127"/>
+              </a:rPr>
+              <a:t>?</a:t>
+            </a:r>
+            <a:br>
+              <a:rPr lang="en-US" altLang="ko-KR" sz="1400" b="1">
+                <a:solidFill>
+                  <a:srgbClr val="000000"/>
+                </a:solidFill>
+                <a:latin typeface="맑은 고딕" panose="020B0503020000020004" pitchFamily="50" charset="-127"/>
+                <a:ea typeface="맑은 고딕" panose="020B0503020000020004" pitchFamily="50" charset="-127"/>
+              </a:rPr>
+            </a:br>
+            <a:br>
+              <a:rPr lang="en-US" altLang="ko-KR" sz="1400">
+                <a:solidFill>
+                  <a:srgbClr val="000000"/>
+                </a:solidFill>
+                <a:latin typeface="맑은 고딕" panose="020B0503020000020004" pitchFamily="50" charset="-127"/>
+                <a:ea typeface="맑은 고딕" panose="020B0503020000020004" pitchFamily="50" charset="-127"/>
+              </a:rPr>
+            </a:br>
+            <a:r>
+              <a:rPr lang="ko-KR" altLang="en-US" sz="1400">
+                <a:solidFill>
+                  <a:srgbClr val="000000"/>
+                </a:solidFill>
+                <a:latin typeface="맑은 고딕" panose="020B0503020000020004" pitchFamily="50" charset="-127"/>
+                <a:ea typeface="맑은 고딕" panose="020B0503020000020004" pitchFamily="50" charset="-127"/>
+              </a:rPr>
+              <a:t>동적으로 발생되어 컴파일할 수 없는 것들을 처리하는 환경</a:t>
+            </a:r>
+            <a:endParaRPr lang="en-US" altLang="ko-KR" sz="1400">
+              <a:solidFill>
+                <a:srgbClr val="000000"/>
+              </a:solidFill>
+              <a:latin typeface="맑은 고딕" panose="020B0503020000020004" pitchFamily="50" charset="-127"/>
+              <a:ea typeface="맑은 고딕" panose="020B0503020000020004" pitchFamily="50" charset="-127"/>
+            </a:endParaRPr>
+          </a:p>
+        </p:txBody>
+      </p:sp>
     </p:spTree>
     <p:extLst>
       <p:ext uri="{BB962C8B-B14F-4D97-AF65-F5344CB8AC3E}">
-        <p14:creationId xmlns:p14="http://schemas.microsoft.com/office/powerpoint/2010/main" val="3215323576"/>
+        <p14:creationId xmlns:p14="http://schemas.microsoft.com/office/powerpoint/2010/main" val="769325418"/>
       </p:ext>
     </p:extLst>
   </p:cSld>
@@ -6122,6 +6694,51 @@
                       </p:childTnLst>
                     </p:cTn>
                   </p:par>
+                  <p:par>
+                    <p:cTn id="9" fill="hold">
+                      <p:stCondLst>
+                        <p:cond delay="indefinite"/>
+                      </p:stCondLst>
+                      <p:childTnLst>
+                        <p:par>
+                          <p:cTn id="10" fill="hold">
+                            <p:stCondLst>
+                              <p:cond delay="0"/>
+                            </p:stCondLst>
+                            <p:childTnLst>
+                              <p:par>
+                                <p:cTn id="11" presetID="1" presetClass="entr" presetSubtype="0" fill="hold" grpId="0" nodeType="clickEffect">
+                                  <p:stCondLst>
+                                    <p:cond delay="0"/>
+                                  </p:stCondLst>
+                                  <p:childTnLst>
+                                    <p:set>
+                                      <p:cBhvr>
+                                        <p:cTn id="12" dur="1" fill="hold">
+                                          <p:stCondLst>
+                                            <p:cond delay="0"/>
+                                          </p:stCondLst>
+                                        </p:cTn>
+                                        <p:tgtEl>
+                                          <p:spTgt spid="11"/>
+                                        </p:tgtEl>
+                                        <p:attrNameLst>
+                                          <p:attrName>style.visibility</p:attrName>
+                                        </p:attrNameLst>
+                                      </p:cBhvr>
+                                      <p:to>
+                                        <p:strVal val="visible"/>
+                                      </p:to>
+                                    </p:set>
+                                  </p:childTnLst>
+                                </p:cTn>
+                              </p:par>
+                            </p:childTnLst>
+                          </p:cTn>
+                        </p:par>
+                      </p:childTnLst>
+                    </p:cTn>
+                  </p:par>
                 </p:childTnLst>
               </p:cTn>
               <p:prevCondLst>
@@ -6145,12 +6762,13 @@
     </p:tnLst>
     <p:bldLst>
       <p:bldP spid="9" grpId="0"/>
+      <p:bldP spid="11" grpId="0"/>
     </p:bldLst>
   </p:timing>
 </p:sld>
 </file>
 
-<file path=ppt/slides/slide12.xml><?xml version="1.0" encoding="utf-8"?>
+<file path=ppt/slides/slide13.xml><?xml version="1.0" encoding="utf-8"?>
 <p:sld xmlns:a="http://schemas.openxmlformats.org/drawingml/2006/main" xmlns:r="http://schemas.openxmlformats.org/officeDocument/2006/relationships" xmlns:p="http://schemas.openxmlformats.org/presentationml/2006/main">
   <p:cSld>
     <p:spTree>
@@ -6768,7 +7386,7 @@
 </p:sld>
 </file>
 
-<file path=ppt/slides/slide13.xml><?xml version="1.0" encoding="utf-8"?>
+<file path=ppt/slides/slide14.xml><?xml version="1.0" encoding="utf-8"?>
 <p:sld xmlns:a="http://schemas.openxmlformats.org/drawingml/2006/main" xmlns:r="http://schemas.openxmlformats.org/officeDocument/2006/relationships" xmlns:p="http://schemas.openxmlformats.org/presentationml/2006/main">
   <p:cSld>
     <p:spTree>
@@ -8031,7 +8649,7 @@
 </p:sld>
 </file>
 
-<file path=ppt/slides/slide14.xml><?xml version="1.0" encoding="utf-8"?>
+<file path=ppt/slides/slide15.xml><?xml version="1.0" encoding="utf-8"?>
 <p:sld xmlns:a="http://schemas.openxmlformats.org/drawingml/2006/main" xmlns:r="http://schemas.openxmlformats.org/officeDocument/2006/relationships" xmlns:p="http://schemas.openxmlformats.org/presentationml/2006/main">
   <p:cSld>
     <p:spTree>
@@ -9007,12 +9625,20 @@
                 <a:defRPr/>
               </a:pPr>
               <a:r>
+                <a:rPr lang="en-US" altLang="ko-KR" sz="1800">
+                  <a:latin typeface="맑은 고딕" panose="020B0503020000020004" pitchFamily="50" charset="-127"/>
+                  <a:ea typeface="맑은 고딕" panose="020B0503020000020004" pitchFamily="50" charset="-127"/>
+                  <a:cs typeface="Arial" panose="020B0604020202020204" pitchFamily="34" charset="0"/>
+                </a:rPr>
+                <a:t>JIT </a:t>
+              </a:r>
+              <a:r>
                 <a:rPr lang="ko-KR" altLang="en-US" sz="1800">
                   <a:latin typeface="맑은 고딕" panose="020B0503020000020004" pitchFamily="50" charset="-127"/>
                   <a:ea typeface="맑은 고딕" panose="020B0503020000020004" pitchFamily="50" charset="-127"/>
                   <a:cs typeface="Arial" panose="020B0604020202020204" pitchFamily="34" charset="0"/>
                 </a:rPr>
-                <a:t>인터프리터 언어</a:t>
+                <a:t>컴파일 언어</a:t>
               </a:r>
               <a:r>
                 <a:rPr lang="en-US" altLang="ko-KR" sz="1800">
@@ -9097,7 +9723,23 @@
                   <a:ea typeface="맑은 고딕" panose="020B0503020000020004" pitchFamily="50" charset="-127"/>
                   <a:cs typeface="Arial" panose="020B0604020202020204" pitchFamily="34" charset="0"/>
                 </a:rPr>
-                <a:t>/ </a:t>
+                <a:t>/ Javascript </a:t>
+              </a:r>
+              <a:r>
+                <a:rPr lang="ko-KR" altLang="en-US" sz="1400">
+                  <a:latin typeface="맑은 고딕" panose="020B0503020000020004" pitchFamily="50" charset="-127"/>
+                  <a:ea typeface="맑은 고딕" panose="020B0503020000020004" pitchFamily="50" charset="-127"/>
+                  <a:cs typeface="Arial" panose="020B0604020202020204" pitchFamily="34" charset="0"/>
+                </a:rPr>
+                <a:t>런타임  </a:t>
+              </a:r>
+              <a:r>
+                <a:rPr lang="en-US" altLang="ko-KR" sz="1400">
+                  <a:latin typeface="맑은 고딕" panose="020B0503020000020004" pitchFamily="50" charset="-127"/>
+                  <a:ea typeface="맑은 고딕" panose="020B0503020000020004" pitchFamily="50" charset="-127"/>
+                  <a:cs typeface="Arial" panose="020B0604020202020204" pitchFamily="34" charset="0"/>
+                </a:rPr>
+                <a:t>/  </a:t>
               </a:r>
               <a:r>
                 <a:rPr lang="ko-KR" altLang="en-US" sz="1400">
@@ -10989,7 +11631,7 @@
         </p:blipFill>
         <p:spPr bwMode="auto">
           <a:xfrm>
-            <a:off x="4788024" y="1287035"/>
+            <a:off x="5010785" y="1354718"/>
             <a:ext cx="3780420" cy="3323446"/>
           </a:xfrm>
           <a:prstGeom prst="rect">
@@ -11206,6 +11848,36 @@
           </a:p>
         </p:txBody>
       </p:sp>
+      <p:pic>
+        <p:nvPicPr>
+          <p:cNvPr id="4" name="그림 3">
+            <a:extLst>
+              <a:ext uri="{FF2B5EF4-FFF2-40B4-BE49-F238E27FC236}">
+                <a16:creationId xmlns:a16="http://schemas.microsoft.com/office/drawing/2014/main" id="{2A355BEF-A684-4041-A8B6-A4B359F0D66B}"/>
+              </a:ext>
+            </a:extLst>
+          </p:cNvPr>
+          <p:cNvPicPr>
+            <a:picLocks noChangeAspect="1"/>
+          </p:cNvPicPr>
+          <p:nvPr/>
+        </p:nvPicPr>
+        <p:blipFill>
+          <a:blip r:embed="rId3"/>
+          <a:stretch>
+            <a:fillRect/>
+          </a:stretch>
+        </p:blipFill>
+        <p:spPr>
+          <a:xfrm>
+            <a:off x="402506" y="1354718"/>
+            <a:ext cx="4553585" cy="4715533"/>
+          </a:xfrm>
+          <a:prstGeom prst="rect">
+            <a:avLst/>
+          </a:prstGeom>
+        </p:spPr>
+      </p:pic>
     </p:spTree>
     <p:extLst>
       <p:ext uri="{BB962C8B-B14F-4D97-AF65-F5344CB8AC3E}">
